--- a/restricted/slides14m.pptx
+++ b/restricted/slides14m.pptx
@@ -11803,29 +11803,18 @@
             </a:pPr>
             <a:r>
               <a:rPr lang="en-US" sz="10600" dirty="0" smtClean="0"/>
-              <a:t>1 </a:t>
+              <a:t>1</a:t>
             </a:r>
             <a:r>
               <a:rPr lang="en-US" sz="10600" dirty="0" smtClean="0">
-                <a:latin typeface="Comic Sans MS"/>
-                <a:cs typeface="Comic Sans MS"/>
-                <a:sym typeface="Euclid Symbol" pitchFamily="18" charset="2"/>
-              </a:rPr>
-              <a:t>&amp;</a:t>
-            </a:r>
-            <a:r>
-              <a:rPr lang="en-US" sz="10600" b="1" dirty="0" smtClean="0">
                 <a:latin typeface="Euclid Symbol" charset="2"/>
                 <a:cs typeface="Euclid Symbol" charset="2"/>
-                <a:sym typeface="Euclid Symbol" pitchFamily="18" charset="2"/>
-              </a:rPr>
-              <a:t> </a:t>
-            </a:r>
-            <a:r>
-              <a:rPr lang="en-US" sz="10600" dirty="0" smtClean="0">
-                <a:sym typeface="Euclid Symbol" pitchFamily="18" charset="2"/>
-              </a:rPr>
-              <a:t>2</a:t>
+              </a:rPr>
+              <a:t>-</a:t>
+            </a:r>
+            <a:r>
+              <a:rPr lang="en-US" sz="10600" dirty="0" smtClean="0"/>
+              <a:t>4</a:t>
             </a:r>
             <a:endParaRPr lang="en-US" sz="10600" dirty="0" smtClean="0"/>
           </a:p>
